--- a/2022-2023/Wyk/Wyklad13.pptx
+++ b/2022-2023/Wyk/Wyklad13.pptx
@@ -281,7 +281,7 @@
           <a:p>
             <a:fld id="{5113504E-0C99-2340-A5F6-DD6E1A87C372}" type="datetimeFigureOut">
               <a:rPr lang="pl-PL" smtClean="0"/>
-              <a:t>22.01.2023</a:t>
+              <a:t>03.02.2023</a:t>
             </a:fld>
             <a:endParaRPr lang="pl-PL"/>
           </a:p>
@@ -447,7 +447,7 @@
           <a:p>
             <a:fld id="{F78C933E-44E9-2D43-91B0-0D2BEEFA7EB9}" type="datetimeFigureOut">
               <a:rPr lang="pl-PL" smtClean="0"/>
-              <a:t>22.01.2023</a:t>
+              <a:t>03.02.2023</a:t>
             </a:fld>
             <a:endParaRPr lang="pl-PL"/>
           </a:p>
@@ -1761,7 +1761,7 @@
           <a:p>
             <a:fld id="{91017B01-0C30-B241-B19F-621BE4770608}" type="datetimeFigureOut">
               <a:rPr lang="pl-PL" smtClean="0"/>
-              <a:t>22.01.2023</a:t>
+              <a:t>03.02.2023</a:t>
             </a:fld>
             <a:endParaRPr lang="pl-PL"/>
           </a:p>
@@ -1930,7 +1930,7 @@
           <a:p>
             <a:fld id="{91017B01-0C30-B241-B19F-621BE4770608}" type="datetimeFigureOut">
               <a:rPr lang="pl-PL" smtClean="0"/>
-              <a:t>22.01.2023</a:t>
+              <a:t>03.02.2023</a:t>
             </a:fld>
             <a:endParaRPr lang="pl-PL"/>
           </a:p>
@@ -2109,7 +2109,7 @@
           <a:p>
             <a:fld id="{91017B01-0C30-B241-B19F-621BE4770608}" type="datetimeFigureOut">
               <a:rPr lang="pl-PL" smtClean="0"/>
-              <a:t>22.01.2023</a:t>
+              <a:t>03.02.2023</a:t>
             </a:fld>
             <a:endParaRPr lang="pl-PL"/>
           </a:p>
@@ -2278,7 +2278,7 @@
           <a:p>
             <a:fld id="{91017B01-0C30-B241-B19F-621BE4770608}" type="datetimeFigureOut">
               <a:rPr lang="pl-PL" smtClean="0"/>
-              <a:t>22.01.2023</a:t>
+              <a:t>03.02.2023</a:t>
             </a:fld>
             <a:endParaRPr lang="pl-PL"/>
           </a:p>
@@ -2524,7 +2524,7 @@
           <a:p>
             <a:fld id="{91017B01-0C30-B241-B19F-621BE4770608}" type="datetimeFigureOut">
               <a:rPr lang="pl-PL" smtClean="0"/>
-              <a:t>22.01.2023</a:t>
+              <a:t>03.02.2023</a:t>
             </a:fld>
             <a:endParaRPr lang="pl-PL"/>
           </a:p>
@@ -2810,7 +2810,7 @@
           <a:p>
             <a:fld id="{91017B01-0C30-B241-B19F-621BE4770608}" type="datetimeFigureOut">
               <a:rPr lang="pl-PL" smtClean="0"/>
-              <a:t>22.01.2023</a:t>
+              <a:t>03.02.2023</a:t>
             </a:fld>
             <a:endParaRPr lang="pl-PL"/>
           </a:p>
@@ -3230,7 +3230,7 @@
           <a:p>
             <a:fld id="{91017B01-0C30-B241-B19F-621BE4770608}" type="datetimeFigureOut">
               <a:rPr lang="pl-PL" smtClean="0"/>
-              <a:t>22.01.2023</a:t>
+              <a:t>03.02.2023</a:t>
             </a:fld>
             <a:endParaRPr lang="pl-PL"/>
           </a:p>
@@ -3348,7 +3348,7 @@
           <a:p>
             <a:fld id="{91017B01-0C30-B241-B19F-621BE4770608}" type="datetimeFigureOut">
               <a:rPr lang="pl-PL" smtClean="0"/>
-              <a:t>22.01.2023</a:t>
+              <a:t>03.02.2023</a:t>
             </a:fld>
             <a:endParaRPr lang="pl-PL"/>
           </a:p>
@@ -3444,7 +3444,7 @@
           <a:p>
             <a:fld id="{91017B01-0C30-B241-B19F-621BE4770608}" type="datetimeFigureOut">
               <a:rPr lang="pl-PL" smtClean="0"/>
-              <a:t>22.01.2023</a:t>
+              <a:t>03.02.2023</a:t>
             </a:fld>
             <a:endParaRPr lang="pl-PL"/>
           </a:p>
@@ -3721,7 +3721,7 @@
           <a:p>
             <a:fld id="{91017B01-0C30-B241-B19F-621BE4770608}" type="datetimeFigureOut">
               <a:rPr lang="pl-PL" smtClean="0"/>
-              <a:t>22.01.2023</a:t>
+              <a:t>03.02.2023</a:t>
             </a:fld>
             <a:endParaRPr lang="pl-PL"/>
           </a:p>
@@ -3977,7 +3977,7 @@
           <a:p>
             <a:fld id="{91017B01-0C30-B241-B19F-621BE4770608}" type="datetimeFigureOut">
               <a:rPr lang="pl-PL" smtClean="0"/>
-              <a:t>22.01.2023</a:t>
+              <a:t>03.02.2023</a:t>
             </a:fld>
             <a:endParaRPr lang="pl-PL"/>
           </a:p>
@@ -4189,7 +4189,7 @@
           <a:p>
             <a:fld id="{91017B01-0C30-B241-B19F-621BE4770608}" type="datetimeFigureOut">
               <a:rPr lang="pl-PL" smtClean="0"/>
-              <a:t>22.01.2023</a:t>
+              <a:t>03.02.2023</a:t>
             </a:fld>
             <a:endParaRPr lang="pl-PL"/>
           </a:p>
@@ -5290,7 +5290,7 @@
                   <a:schemeClr val="bg1"/>
                 </a:solidFill>
               </a:rPr>
-              <a:t>, w tym klasę bazową dla Twojej aplikacji, która pełni rolę kontenera zależności na poziomie aplikacji</a:t>
+              <a:t>, w tym klasę bazową dla aplikacji, która pełni rolę kontenera zależności na poziomie aplikacji</a:t>
             </a:r>
           </a:p>
         </p:txBody>
